--- a/ゼミ-727.pptx
+++ b/ゼミ-727.pptx
@@ -3763,6 +3763,34 @@
               <a:rPr kumimoji="1" lang="ja-JP" altLang="en-US"/>
               <a:t>の結果確認</a:t>
             </a:r>
+            <a:endParaRPr kumimoji="1" lang="en-US" altLang="ja-JP" dirty="0"/>
+          </a:p>
+          <a:p>
+            <a:r>
+              <a:rPr lang="ja-JP" altLang="en-US"/>
+              <a:t>試しに</a:t>
+            </a:r>
+            <a:r>
+              <a:rPr lang="en-US" altLang="ja-JP" dirty="0" err="1"/>
+              <a:t>alpha_rt</a:t>
+            </a:r>
+            <a:r>
+              <a:rPr lang="ja-JP" altLang="en-US"/>
+              <a:t>の定義を変えて回してみる</a:t>
+            </a:r>
+            <a:r>
+              <a:rPr lang="en-US" altLang="ja-JP" dirty="0"/>
+              <a:t>(MCMC</a:t>
+            </a:r>
+            <a:r>
+              <a:rPr lang="ja-JP" altLang="en-US"/>
+              <a:t>じゃなくしてみる</a:t>
+            </a:r>
+            <a:r>
+              <a:rPr lang="en-US" altLang="ja-JP"/>
+              <a:t>)</a:t>
+            </a:r>
+            <a:endParaRPr kumimoji="1" lang="ja-JP" altLang="en-US"/>
           </a:p>
         </p:txBody>
       </p:sp>
@@ -3828,21 +3856,92 @@
           </a:p>
         </p:txBody>
       </p:sp>
+      <p:sp>
+        <p:nvSpPr>
+          <p:cNvPr id="5" name="テキスト ボックス 4">
+            <a:extLst>
+              <a:ext uri="{FF2B5EF4-FFF2-40B4-BE49-F238E27FC236}">
+                <a16:creationId xmlns:a16="http://schemas.microsoft.com/office/drawing/2014/main" id="{3A971960-4BAD-DB4A-8438-2657C4665762}"/>
+              </a:ext>
+            </a:extLst>
+          </p:cNvPr>
+          <p:cNvSpPr txBox="1"/>
+          <p:nvPr/>
+        </p:nvSpPr>
+        <p:spPr>
+          <a:xfrm>
+            <a:off x="6616558" y="2075746"/>
+            <a:ext cx="4907622" cy="2215991"/>
+          </a:xfrm>
+          <a:prstGeom prst="rect">
+            <a:avLst/>
+          </a:prstGeom>
+          <a:noFill/>
+        </p:spPr>
+        <p:txBody>
+          <a:bodyPr wrap="square" rtlCol="0">
+            <a:spAutoFit/>
+          </a:bodyPr>
+          <a:lstStyle/>
+          <a:p>
+            <a:pPr marL="285750" indent="-285750">
+              <a:buFont typeface="Arial" panose="020B0604020202020204" pitchFamily="34" charset="0"/>
+              <a:buChar char="•"/>
+            </a:pPr>
+            <a:r>
+              <a:rPr kumimoji="1" lang="en-US" altLang="ja-JP" sz="2800" dirty="0"/>
+              <a:t>RMSE(</a:t>
+            </a:r>
+            <a:r>
+              <a:rPr kumimoji="1" lang="ja-JP" altLang="en-US" sz="2800"/>
+              <a:t>パラメータ真値との平均平方２乗誤差</a:t>
+            </a:r>
+            <a:r>
+              <a:rPr kumimoji="1" lang="en-US" altLang="ja-JP" sz="2800" dirty="0"/>
+              <a:t>)</a:t>
+            </a:r>
+            <a:r>
+              <a:rPr lang="ja-JP" altLang="en-US" sz="2800"/>
+              <a:t>は全体的に大きい？</a:t>
+            </a:r>
+            <a:endParaRPr lang="en-US" altLang="ja-JP" sz="2800" dirty="0"/>
+          </a:p>
+          <a:p>
+            <a:endParaRPr kumimoji="1" lang="en-US" altLang="ja-JP" dirty="0"/>
+          </a:p>
+          <a:p>
+            <a:endParaRPr lang="en-US" altLang="ja-JP" dirty="0"/>
+          </a:p>
+          <a:p>
+            <a:r>
+              <a:rPr kumimoji="1" lang="en-US" altLang="ja-JP" dirty="0"/>
+              <a:t>(</a:t>
+            </a:r>
+            <a:r>
+              <a:rPr kumimoji="1" lang="ja-JP" altLang="en-US"/>
+              <a:t>横軸は</a:t>
+            </a:r>
+            <a:r>
+              <a:rPr kumimoji="1" lang="en-US" altLang="ja-JP" dirty="0"/>
+              <a:t>j)</a:t>
+            </a:r>
+            <a:endParaRPr kumimoji="1" lang="ja-JP" altLang="en-US"/>
+          </a:p>
+        </p:txBody>
+      </p:sp>
       <p:pic>
         <p:nvPicPr>
-          <p:cNvPr id="4" name="コンテンツ プレースホルダー 3">
-            <a:extLst>
-              <a:ext uri="{FF2B5EF4-FFF2-40B4-BE49-F238E27FC236}">
-                <a16:creationId xmlns:a16="http://schemas.microsoft.com/office/drawing/2014/main" id="{A3BB03CA-D8C2-1148-8AE2-B5592B93B177}"/>
+          <p:cNvPr id="9" name="図 8">
+            <a:extLst>
+              <a:ext uri="{FF2B5EF4-FFF2-40B4-BE49-F238E27FC236}">
+                <a16:creationId xmlns:a16="http://schemas.microsoft.com/office/drawing/2014/main" id="{3B9A850F-9CE5-F542-B136-3665D75F643F}"/>
               </a:ext>
             </a:extLst>
           </p:cNvPr>
           <p:cNvPicPr>
-            <a:picLocks noGrp="1" noChangeAspect="1"/>
+            <a:picLocks noChangeAspect="1"/>
           </p:cNvPicPr>
-          <p:nvPr>
-            <p:ph idx="1"/>
-          </p:nvPr>
+          <p:nvPr/>
         </p:nvPicPr>
         <p:blipFill>
           <a:blip r:embed="rId2"/>
@@ -3852,62 +3951,14 @@
         </p:blipFill>
         <p:spPr>
           <a:xfrm>
-            <a:off x="838200" y="2075746"/>
-            <a:ext cx="5435600" cy="3810000"/>
+            <a:off x="932249" y="2075746"/>
+            <a:ext cx="5384800" cy="3810000"/>
           </a:xfrm>
           <a:prstGeom prst="rect">
             <a:avLst/>
           </a:prstGeom>
         </p:spPr>
       </p:pic>
-      <p:sp>
-        <p:nvSpPr>
-          <p:cNvPr id="5" name="テキスト ボックス 4">
-            <a:extLst>
-              <a:ext uri="{FF2B5EF4-FFF2-40B4-BE49-F238E27FC236}">
-                <a16:creationId xmlns:a16="http://schemas.microsoft.com/office/drawing/2014/main" id="{3A971960-4BAD-DB4A-8438-2657C4665762}"/>
-              </a:ext>
-            </a:extLst>
-          </p:cNvPr>
-          <p:cNvSpPr txBox="1"/>
-          <p:nvPr/>
-        </p:nvSpPr>
-        <p:spPr>
-          <a:xfrm>
-            <a:off x="6616558" y="2075746"/>
-            <a:ext cx="4907622" cy="646331"/>
-          </a:xfrm>
-          <a:prstGeom prst="rect">
-            <a:avLst/>
-          </a:prstGeom>
-          <a:noFill/>
-        </p:spPr>
-        <p:txBody>
-          <a:bodyPr wrap="square" rtlCol="0">
-            <a:spAutoFit/>
-          </a:bodyPr>
-          <a:lstStyle/>
-          <a:p>
-            <a:r>
-              <a:rPr kumimoji="1" lang="en-US" altLang="ja-JP" dirty="0"/>
-              <a:t>RMSE(</a:t>
-            </a:r>
-            <a:r>
-              <a:rPr kumimoji="1" lang="ja-JP" altLang="en-US"/>
-              <a:t>パラメータ真値との平均平方２乗誤差</a:t>
-            </a:r>
-            <a:r>
-              <a:rPr kumimoji="1" lang="en-US" altLang="ja-JP" dirty="0"/>
-              <a:t>)</a:t>
-            </a:r>
-            <a:r>
-              <a:rPr lang="ja-JP" altLang="en-US"/>
-              <a:t>は全体的に大きい</a:t>
-            </a:r>
-            <a:endParaRPr kumimoji="1" lang="ja-JP" altLang="en-US"/>
-          </a:p>
-        </p:txBody>
-      </p:sp>
     </p:spTree>
     <p:extLst>
       <p:ext uri="{BB962C8B-B14F-4D97-AF65-F5344CB8AC3E}">
@@ -4011,17 +4062,17 @@
             </a:r>
             <a:r>
               <a:rPr kumimoji="1" lang="ja-JP" altLang="en-US"/>
-              <a:t>だけでかい</a:t>
+              <a:t>だけなんか大きい</a:t>
             </a:r>
           </a:p>
         </p:txBody>
       </p:sp>
       <p:pic>
         <p:nvPicPr>
-          <p:cNvPr id="4" name="図 3">
-            <a:extLst>
-              <a:ext uri="{FF2B5EF4-FFF2-40B4-BE49-F238E27FC236}">
-                <a16:creationId xmlns:a16="http://schemas.microsoft.com/office/drawing/2014/main" id="{988DA013-3D77-0748-A39F-1AEF9FDE61C6}"/>
+          <p:cNvPr id="6" name="図 5">
+            <a:extLst>
+              <a:ext uri="{FF2B5EF4-FFF2-40B4-BE49-F238E27FC236}">
+                <a16:creationId xmlns:a16="http://schemas.microsoft.com/office/drawing/2014/main" id="{94562221-2464-634B-81A7-90E4E2A7E5A3}"/>
               </a:ext>
             </a:extLst>
           </p:cNvPr>
@@ -4038,8 +4089,8 @@
         </p:blipFill>
         <p:spPr>
           <a:xfrm>
-            <a:off x="838200" y="1986337"/>
-            <a:ext cx="5486400" cy="3810000"/>
+            <a:off x="838200" y="2096294"/>
+            <a:ext cx="5537200" cy="3810000"/>
           </a:xfrm>
           <a:prstGeom prst="rect">
             <a:avLst/>
@@ -4123,8 +4174,8 @@
         </p:nvSpPr>
         <p:spPr>
           <a:xfrm>
-            <a:off x="7140539" y="2147299"/>
-            <a:ext cx="3534310" cy="923330"/>
+            <a:off x="6223000" y="2147299"/>
+            <a:ext cx="5627130" cy="1384995"/>
           </a:xfrm>
           <a:prstGeom prst="rect">
             <a:avLst/>
@@ -4137,67 +4188,73 @@
           </a:bodyPr>
           <a:lstStyle/>
           <a:p>
-            <a:r>
-              <a:rPr kumimoji="1" lang="en-US" altLang="ja-JP" dirty="0" err="1"/>
+            <a:pPr marL="285750" indent="-285750">
+              <a:buFont typeface="Arial" panose="020B0604020202020204" pitchFamily="34" charset="0"/>
+              <a:buChar char="•"/>
+            </a:pPr>
+            <a:r>
+              <a:rPr kumimoji="1" lang="en-US" altLang="ja-JP" sz="2800" dirty="0" err="1"/>
               <a:t>Rhat</a:t>
             </a:r>
             <a:r>
-              <a:rPr kumimoji="1" lang="ja-JP" altLang="en-US"/>
+              <a:rPr kumimoji="1" lang="ja-JP" altLang="en-US" sz="2800"/>
               <a:t>はどちらも一応</a:t>
             </a:r>
             <a:r>
-              <a:rPr kumimoji="1" lang="en-US" altLang="ja-JP" dirty="0"/>
+              <a:rPr kumimoji="1" lang="en-US" altLang="ja-JP" sz="2800" dirty="0"/>
               <a:t>1.1</a:t>
             </a:r>
             <a:r>
-              <a:rPr lang="ja-JP" altLang="en-US"/>
+              <a:rPr lang="ja-JP" altLang="en-US" sz="2800"/>
               <a:t>以下</a:t>
             </a:r>
-            <a:endParaRPr lang="en-US" altLang="ja-JP" dirty="0"/>
-          </a:p>
-          <a:p>
-            <a:r>
-              <a:rPr kumimoji="1" lang="en-US" altLang="ja-JP" dirty="0"/>
+            <a:endParaRPr lang="en-US" altLang="ja-JP" sz="2800" dirty="0"/>
+          </a:p>
+          <a:p>
+            <a:pPr marL="285750" indent="-285750">
+              <a:buFont typeface="Arial" panose="020B0604020202020204" pitchFamily="34" charset="0"/>
+              <a:buChar char="•"/>
+            </a:pPr>
+            <a:r>
+              <a:rPr kumimoji="1" lang="en-US" altLang="ja-JP" sz="2800" dirty="0"/>
               <a:t>T</a:t>
             </a:r>
             <a:r>
-              <a:rPr kumimoji="1" lang="ja-JP" altLang="en-US"/>
+              <a:rPr kumimoji="1" lang="ja-JP" altLang="en-US" sz="2800"/>
               <a:t>が</a:t>
             </a:r>
             <a:r>
-              <a:rPr kumimoji="1" lang="en-US" altLang="ja-JP" dirty="0"/>
+              <a:rPr kumimoji="1" lang="en-US" altLang="ja-JP" sz="2800" dirty="0"/>
               <a:t>5</a:t>
             </a:r>
             <a:r>
-              <a:rPr kumimoji="1" lang="ja-JP" altLang="en-US"/>
+              <a:rPr kumimoji="1" lang="ja-JP" altLang="en-US" sz="2800"/>
               <a:t>の時小さくて</a:t>
             </a:r>
             <a:r>
-              <a:rPr kumimoji="1" lang="en-US" altLang="ja-JP" dirty="0"/>
+              <a:rPr kumimoji="1" lang="en-US" altLang="ja-JP" sz="2800" dirty="0"/>
               <a:t>10</a:t>
             </a:r>
             <a:r>
-              <a:rPr kumimoji="1" lang="ja-JP" altLang="en-US"/>
-              <a:t>の時大きくなってる</a:t>
+              <a:rPr kumimoji="1" lang="ja-JP" altLang="en-US" sz="2800"/>
+              <a:t>の時大きくなってるっぽい</a:t>
             </a:r>
           </a:p>
         </p:txBody>
       </p:sp>
       <p:pic>
         <p:nvPicPr>
-          <p:cNvPr id="8" name="コンテンツ プレースホルダー 7">
-            <a:extLst>
-              <a:ext uri="{FF2B5EF4-FFF2-40B4-BE49-F238E27FC236}">
-                <a16:creationId xmlns:a16="http://schemas.microsoft.com/office/drawing/2014/main" id="{8DA688E9-2FAB-8740-B5A8-1B4D8F79209F}"/>
+          <p:cNvPr id="13" name="図 12">
+            <a:extLst>
+              <a:ext uri="{FF2B5EF4-FFF2-40B4-BE49-F238E27FC236}">
+                <a16:creationId xmlns:a16="http://schemas.microsoft.com/office/drawing/2014/main" id="{03FBFAFD-AE12-6A43-AD9E-6F1B5EB04B58}"/>
               </a:ext>
             </a:extLst>
           </p:cNvPr>
           <p:cNvPicPr>
-            <a:picLocks noGrp="1" noChangeAspect="1"/>
+            <a:picLocks noChangeAspect="1"/>
           </p:cNvPicPr>
-          <p:nvPr>
-            <p:ph idx="1"/>
-          </p:nvPr>
+          <p:nvPr/>
         </p:nvPicPr>
         <p:blipFill>
           <a:blip r:embed="rId2"/>
@@ -4207,7 +4264,7 @@
         </p:blipFill>
         <p:spPr>
           <a:xfrm>
-            <a:off x="1006389" y="2022154"/>
+            <a:off x="838200" y="2147299"/>
             <a:ext cx="5384800" cy="3810000"/>
           </a:xfrm>
           <a:prstGeom prst="rect">

--- a/ゼミ-727.pptx
+++ b/ゼミ-727.pptx
@@ -10,6 +10,8 @@
     <p:sldId id="258" r:id="rId4"/>
     <p:sldId id="259" r:id="rId5"/>
     <p:sldId id="260" r:id="rId6"/>
+    <p:sldId id="261" r:id="rId7"/>
+    <p:sldId id="262" r:id="rId8"/>
   </p:sldIdLst>
   <p:sldSz cx="12192000" cy="6858000"/>
   <p:notesSz cx="6858000" cy="9144000"/>
@@ -3766,31 +3768,7 @@
             <a:endParaRPr kumimoji="1" lang="en-US" altLang="ja-JP" dirty="0"/>
           </a:p>
           <a:p>
-            <a:r>
-              <a:rPr lang="ja-JP" altLang="en-US"/>
-              <a:t>試しに</a:t>
-            </a:r>
-            <a:r>
-              <a:rPr lang="en-US" altLang="ja-JP" dirty="0" err="1"/>
-              <a:t>alpha_rt</a:t>
-            </a:r>
-            <a:r>
-              <a:rPr lang="ja-JP" altLang="en-US"/>
-              <a:t>の定義を変えて回してみる</a:t>
-            </a:r>
-            <a:r>
-              <a:rPr lang="en-US" altLang="ja-JP" dirty="0"/>
-              <a:t>(MCMC</a:t>
-            </a:r>
-            <a:r>
-              <a:rPr lang="ja-JP" altLang="en-US"/>
-              <a:t>じゃなくしてみる</a:t>
-            </a:r>
-            <a:r>
-              <a:rPr lang="en-US" altLang="ja-JP"/>
-              <a:t>)</a:t>
-            </a:r>
-            <a:endParaRPr kumimoji="1" lang="ja-JP" altLang="en-US"/>
+            <a:endParaRPr kumimoji="1" lang="en-US" altLang="ja-JP" dirty="0"/>
           </a:p>
         </p:txBody>
       </p:sp>
@@ -4276,6 +4254,373 @@
     <p:extLst>
       <p:ext uri="{BB962C8B-B14F-4D97-AF65-F5344CB8AC3E}">
         <p14:creationId xmlns:p14="http://schemas.microsoft.com/office/powerpoint/2010/main" val="4169572911"/>
+      </p:ext>
+    </p:extLst>
+  </p:cSld>
+  <p:clrMapOvr>
+    <a:masterClrMapping/>
+  </p:clrMapOvr>
+</p:sld>
+</file>
+
+<file path=ppt/slides/slide6.xml><?xml version="1.0" encoding="utf-8"?>
+<p:sld xmlns:a="http://schemas.openxmlformats.org/drawingml/2006/main" xmlns:r="http://schemas.openxmlformats.org/officeDocument/2006/relationships" xmlns:p="http://schemas.openxmlformats.org/presentationml/2006/main">
+  <p:cSld>
+    <p:spTree>
+      <p:nvGrpSpPr>
+        <p:cNvPr id="1" name=""/>
+        <p:cNvGrpSpPr/>
+        <p:nvPr/>
+      </p:nvGrpSpPr>
+      <p:grpSpPr>
+        <a:xfrm>
+          <a:off x="0" y="0"/>
+          <a:ext cx="0" cy="0"/>
+          <a:chOff x="0" y="0"/>
+          <a:chExt cx="0" cy="0"/>
+        </a:xfrm>
+      </p:grpSpPr>
+      <p:sp>
+        <p:nvSpPr>
+          <p:cNvPr id="2" name="タイトル 1">
+            <a:extLst>
+              <a:ext uri="{FF2B5EF4-FFF2-40B4-BE49-F238E27FC236}">
+                <a16:creationId xmlns:a16="http://schemas.microsoft.com/office/drawing/2014/main" id="{DF0AAFE9-636E-F34D-B04B-C7006E6725A2}"/>
+              </a:ext>
+            </a:extLst>
+          </p:cNvPr>
+          <p:cNvSpPr>
+            <a:spLocks noGrp="1"/>
+          </p:cNvSpPr>
+          <p:nvPr>
+            <p:ph type="title"/>
+          </p:nvPr>
+        </p:nvSpPr>
+        <p:spPr/>
+        <p:txBody>
+          <a:bodyPr/>
+          <a:lstStyle/>
+          <a:p>
+            <a:r>
+              <a:rPr kumimoji="1" lang="ja-JP" altLang="en-US"/>
+              <a:t>試しに</a:t>
+            </a:r>
+            <a:r>
+              <a:rPr kumimoji="1" lang="en-US" altLang="ja-JP" dirty="0" err="1"/>
+              <a:t>alpha_rt</a:t>
+            </a:r>
+            <a:r>
+              <a:rPr kumimoji="1" lang="ja-JP" altLang="en-US"/>
+              <a:t>の定義を変えて試してみた</a:t>
+            </a:r>
+          </a:p>
+        </p:txBody>
+      </p:sp>
+      <p:pic>
+        <p:nvPicPr>
+          <p:cNvPr id="5" name="図 4">
+            <a:extLst>
+              <a:ext uri="{FF2B5EF4-FFF2-40B4-BE49-F238E27FC236}">
+                <a16:creationId xmlns:a16="http://schemas.microsoft.com/office/drawing/2014/main" id="{708C00DD-E8A8-A84D-B8B9-B3EE0CBA6E43}"/>
+              </a:ext>
+            </a:extLst>
+          </p:cNvPr>
+          <p:cNvPicPr>
+            <a:picLocks noChangeAspect="1"/>
+          </p:cNvPicPr>
+          <p:nvPr/>
+        </p:nvPicPr>
+        <p:blipFill>
+          <a:blip r:embed="rId2"/>
+          <a:stretch>
+            <a:fillRect/>
+          </a:stretch>
+        </p:blipFill>
+        <p:spPr>
+          <a:xfrm>
+            <a:off x="247412" y="1690688"/>
+            <a:ext cx="3691710" cy="2593707"/>
+          </a:xfrm>
+          <a:prstGeom prst="rect">
+            <a:avLst/>
+          </a:prstGeom>
+        </p:spPr>
+      </p:pic>
+      <p:pic>
+        <p:nvPicPr>
+          <p:cNvPr id="6" name="図 5">
+            <a:extLst>
+              <a:ext uri="{FF2B5EF4-FFF2-40B4-BE49-F238E27FC236}">
+                <a16:creationId xmlns:a16="http://schemas.microsoft.com/office/drawing/2014/main" id="{848447C4-3802-F540-B927-9316E4AB3517}"/>
+              </a:ext>
+            </a:extLst>
+          </p:cNvPr>
+          <p:cNvPicPr>
+            <a:picLocks noChangeAspect="1"/>
+          </p:cNvPicPr>
+          <p:nvPr/>
+        </p:nvPicPr>
+        <p:blipFill>
+          <a:blip r:embed="rId3"/>
+          <a:stretch>
+            <a:fillRect/>
+          </a:stretch>
+        </p:blipFill>
+        <p:spPr>
+          <a:xfrm>
+            <a:off x="3939122" y="1690928"/>
+            <a:ext cx="3852271" cy="2650645"/>
+          </a:xfrm>
+          <a:prstGeom prst="rect">
+            <a:avLst/>
+          </a:prstGeom>
+        </p:spPr>
+      </p:pic>
+      <p:pic>
+        <p:nvPicPr>
+          <p:cNvPr id="7" name="図 6">
+            <a:extLst>
+              <a:ext uri="{FF2B5EF4-FFF2-40B4-BE49-F238E27FC236}">
+                <a16:creationId xmlns:a16="http://schemas.microsoft.com/office/drawing/2014/main" id="{BA2CDAE1-B418-8E44-97DD-CF28174E91FC}"/>
+              </a:ext>
+            </a:extLst>
+          </p:cNvPr>
+          <p:cNvPicPr>
+            <a:picLocks noChangeAspect="1"/>
+          </p:cNvPicPr>
+          <p:nvPr/>
+        </p:nvPicPr>
+        <p:blipFill>
+          <a:blip r:embed="rId4"/>
+          <a:stretch>
+            <a:fillRect/>
+          </a:stretch>
+        </p:blipFill>
+        <p:spPr>
+          <a:xfrm>
+            <a:off x="7791393" y="1690688"/>
+            <a:ext cx="3852272" cy="2700191"/>
+          </a:xfrm>
+          <a:prstGeom prst="rect">
+            <a:avLst/>
+          </a:prstGeom>
+        </p:spPr>
+      </p:pic>
+      <p:sp>
+        <p:nvSpPr>
+          <p:cNvPr id="8" name="テキスト ボックス 7">
+            <a:extLst>
+              <a:ext uri="{FF2B5EF4-FFF2-40B4-BE49-F238E27FC236}">
+                <a16:creationId xmlns:a16="http://schemas.microsoft.com/office/drawing/2014/main" id="{ABE5F28C-0DAD-7A4A-BCE7-D0802D56C1DD}"/>
+              </a:ext>
+            </a:extLst>
+          </p:cNvPr>
+          <p:cNvSpPr txBox="1"/>
+          <p:nvPr/>
+        </p:nvSpPr>
+        <p:spPr>
+          <a:xfrm>
+            <a:off x="926757" y="4880919"/>
+            <a:ext cx="6864636" cy="369332"/>
+          </a:xfrm>
+          <a:prstGeom prst="rect">
+            <a:avLst/>
+          </a:prstGeom>
+          <a:noFill/>
+        </p:spPr>
+        <p:txBody>
+          <a:bodyPr wrap="square" rtlCol="0">
+            <a:spAutoFit/>
+          </a:bodyPr>
+          <a:lstStyle/>
+          <a:p>
+            <a:r>
+              <a:rPr kumimoji="1" lang="ja-JP" altLang="en-US"/>
+              <a:t>結果→ほぼ変わらず</a:t>
+            </a:r>
+          </a:p>
+        </p:txBody>
+      </p:sp>
+    </p:spTree>
+    <p:extLst>
+      <p:ext uri="{BB962C8B-B14F-4D97-AF65-F5344CB8AC3E}">
+        <p14:creationId xmlns:p14="http://schemas.microsoft.com/office/powerpoint/2010/main" val="2333844195"/>
+      </p:ext>
+    </p:extLst>
+  </p:cSld>
+  <p:clrMapOvr>
+    <a:masterClrMapping/>
+  </p:clrMapOvr>
+</p:sld>
+</file>
+
+<file path=ppt/slides/slide7.xml><?xml version="1.0" encoding="utf-8"?>
+<p:sld xmlns:a="http://schemas.openxmlformats.org/drawingml/2006/main" xmlns:r="http://schemas.openxmlformats.org/officeDocument/2006/relationships" xmlns:p="http://schemas.openxmlformats.org/presentationml/2006/main">
+  <p:cSld>
+    <p:spTree>
+      <p:nvGrpSpPr>
+        <p:cNvPr id="1" name=""/>
+        <p:cNvGrpSpPr/>
+        <p:nvPr/>
+      </p:nvGrpSpPr>
+      <p:grpSpPr>
+        <a:xfrm>
+          <a:off x="0" y="0"/>
+          <a:ext cx="0" cy="0"/>
+          <a:chOff x="0" y="0"/>
+          <a:chExt cx="0" cy="0"/>
+        </a:xfrm>
+      </p:grpSpPr>
+      <p:sp>
+        <p:nvSpPr>
+          <p:cNvPr id="2" name="タイトル 1">
+            <a:extLst>
+              <a:ext uri="{FF2B5EF4-FFF2-40B4-BE49-F238E27FC236}">
+                <a16:creationId xmlns:a16="http://schemas.microsoft.com/office/drawing/2014/main" id="{CE08BBB3-3C8B-D541-B1C0-7811C19F9A9A}"/>
+              </a:ext>
+            </a:extLst>
+          </p:cNvPr>
+          <p:cNvSpPr>
+            <a:spLocks noGrp="1"/>
+          </p:cNvSpPr>
+          <p:nvPr>
+            <p:ph type="title"/>
+          </p:nvPr>
+        </p:nvSpPr>
+        <p:spPr/>
+        <p:txBody>
+          <a:bodyPr/>
+          <a:lstStyle/>
+          <a:p>
+            <a:r>
+              <a:rPr kumimoji="1" lang="en-US" altLang="ja-JP" dirty="0"/>
+              <a:t>D</a:t>
+            </a:r>
+            <a:r>
+              <a:rPr kumimoji="1" lang="ja-JP" altLang="en-US"/>
+              <a:t>の出力結果がバグっている問題</a:t>
+            </a:r>
+          </a:p>
+        </p:txBody>
+      </p:sp>
+      <p:pic>
+        <p:nvPicPr>
+          <p:cNvPr id="5" name="コンテンツ プレースホルダー 4">
+            <a:extLst>
+              <a:ext uri="{FF2B5EF4-FFF2-40B4-BE49-F238E27FC236}">
+                <a16:creationId xmlns:a16="http://schemas.microsoft.com/office/drawing/2014/main" id="{6EC9D055-3571-0843-A916-0BB75651BFEA}"/>
+              </a:ext>
+            </a:extLst>
+          </p:cNvPr>
+          <p:cNvPicPr>
+            <a:picLocks noGrp="1" noChangeAspect="1"/>
+          </p:cNvPicPr>
+          <p:nvPr>
+            <p:ph idx="1"/>
+          </p:nvPr>
+        </p:nvPicPr>
+        <p:blipFill>
+          <a:blip r:embed="rId2"/>
+          <a:stretch>
+            <a:fillRect/>
+          </a:stretch>
+        </p:blipFill>
+        <p:spPr>
+          <a:xfrm>
+            <a:off x="418389" y="1562250"/>
+            <a:ext cx="5809416" cy="15387506"/>
+          </a:xfrm>
+        </p:spPr>
+      </p:pic>
+      <p:sp>
+        <p:nvSpPr>
+          <p:cNvPr id="6" name="テキスト ボックス 5">
+            <a:extLst>
+              <a:ext uri="{FF2B5EF4-FFF2-40B4-BE49-F238E27FC236}">
+                <a16:creationId xmlns:a16="http://schemas.microsoft.com/office/drawing/2014/main" id="{7E2D61EE-F175-0A44-937E-B5F845471D9F}"/>
+              </a:ext>
+            </a:extLst>
+          </p:cNvPr>
+          <p:cNvSpPr txBox="1"/>
+          <p:nvPr/>
+        </p:nvSpPr>
+        <p:spPr>
+          <a:xfrm>
+            <a:off x="6549081" y="1878227"/>
+            <a:ext cx="4003589" cy="2308324"/>
+          </a:xfrm>
+          <a:prstGeom prst="rect">
+            <a:avLst/>
+          </a:prstGeom>
+          <a:noFill/>
+        </p:spPr>
+        <p:txBody>
+          <a:bodyPr wrap="square" rtlCol="0">
+            <a:spAutoFit/>
+          </a:bodyPr>
+          <a:lstStyle/>
+          <a:p>
+            <a:r>
+              <a:rPr kumimoji="1" lang="ja-JP" altLang="en-US"/>
+              <a:t>こんな感じに</a:t>
+            </a:r>
+            <a:r>
+              <a:rPr kumimoji="1" lang="en-US" altLang="ja-JP" dirty="0"/>
+              <a:t>AIC</a:t>
+            </a:r>
+            <a:r>
+              <a:rPr kumimoji="1" lang="ja-JP" altLang="en-US"/>
+              <a:t>と</a:t>
+            </a:r>
+            <a:r>
+              <a:rPr kumimoji="1" lang="en-US" altLang="ja-JP" dirty="0"/>
+              <a:t>BIC</a:t>
+            </a:r>
+            <a:r>
+              <a:rPr kumimoji="1" lang="ja-JP" altLang="en-US"/>
+              <a:t>が沢山表示されてしまう</a:t>
+            </a:r>
+            <a:endParaRPr kumimoji="1" lang="en-US" altLang="ja-JP" dirty="0"/>
+          </a:p>
+          <a:p>
+            <a:r>
+              <a:rPr lang="ja-JP" altLang="en-US"/>
+              <a:t>今までは</a:t>
+            </a:r>
+            <a:r>
+              <a:rPr lang="en-US" altLang="ja-JP" dirty="0"/>
+              <a:t>AIC</a:t>
+            </a:r>
+            <a:r>
+              <a:rPr lang="ja-JP" altLang="en-US"/>
+              <a:t>と</a:t>
+            </a:r>
+            <a:r>
+              <a:rPr lang="en-US" altLang="ja-JP" dirty="0"/>
+              <a:t>BIC</a:t>
+            </a:r>
+            <a:r>
+              <a:rPr lang="ja-JP" altLang="en-US"/>
+              <a:t>が表示されていなかったのに急に表示されるようになり、しかも挙動がおかしい。。。</a:t>
+            </a:r>
+            <a:endParaRPr lang="en-US" altLang="ja-JP" dirty="0"/>
+          </a:p>
+          <a:p>
+            <a:endParaRPr lang="en-US" altLang="ja-JP" dirty="0"/>
+          </a:p>
+          <a:p>
+            <a:r>
+              <a:rPr lang="ja-JP" altLang="en-US"/>
+              <a:t>過去のコード見返したりしているのですが、まだ解決していないです</a:t>
+            </a:r>
+            <a:endParaRPr lang="en-US" altLang="ja-JP" dirty="0"/>
+          </a:p>
+        </p:txBody>
+      </p:sp>
+    </p:spTree>
+    <p:extLst>
+      <p:ext uri="{BB962C8B-B14F-4D97-AF65-F5344CB8AC3E}">
+        <p14:creationId xmlns:p14="http://schemas.microsoft.com/office/powerpoint/2010/main" val="112505836"/>
       </p:ext>
     </p:extLst>
   </p:cSld>

--- a/ゼミ-727.pptx
+++ b/ゼミ-727.pptx
@@ -12,6 +12,7 @@
     <p:sldId id="260" r:id="rId6"/>
     <p:sldId id="261" r:id="rId7"/>
     <p:sldId id="262" r:id="rId8"/>
+    <p:sldId id="263" r:id="rId9"/>
   </p:sldIdLst>
   <p:sldSz cx="12192000" cy="6858000"/>
   <p:notesSz cx="6858000" cy="9144000"/>
@@ -3762,8 +3763,31 @@
               <a:t>Parameter_recovery</a:t>
             </a:r>
             <a:r>
-              <a:rPr kumimoji="1" lang="ja-JP" altLang="en-US"/>
-              <a:t>の結果確認</a:t>
+              <a:rPr lang="ja-JP" altLang="en-US"/>
+              <a:t>を実行して</a:t>
+            </a:r>
+            <a:r>
+              <a:rPr kumimoji="1" lang="ja-JP" altLang="en-US"/>
+              <a:t>結果確認</a:t>
+            </a:r>
+            <a:endParaRPr kumimoji="1" lang="en-US" altLang="ja-JP" dirty="0"/>
+          </a:p>
+          <a:p>
+            <a:r>
+              <a:rPr lang="ja-JP" altLang="en-US"/>
+              <a:t>バグ修正</a:t>
+            </a:r>
+            <a:r>
+              <a:rPr lang="en-US" altLang="ja-JP" dirty="0"/>
+              <a:t>(</a:t>
+            </a:r>
+            <a:r>
+              <a:rPr lang="ja-JP" altLang="en-US"/>
+              <a:t>途中</a:t>
+            </a:r>
+            <a:r>
+              <a:rPr lang="en-US" altLang="ja-JP" dirty="0"/>
+              <a:t>)</a:t>
             </a:r>
             <a:endParaRPr kumimoji="1" lang="en-US" altLang="ja-JP" dirty="0"/>
           </a:p>
@@ -4621,6 +4645,154 @@
     <p:extLst>
       <p:ext uri="{BB962C8B-B14F-4D97-AF65-F5344CB8AC3E}">
         <p14:creationId xmlns:p14="http://schemas.microsoft.com/office/powerpoint/2010/main" val="112505836"/>
+      </p:ext>
+    </p:extLst>
+  </p:cSld>
+  <p:clrMapOvr>
+    <a:masterClrMapping/>
+  </p:clrMapOvr>
+</p:sld>
+</file>
+
+<file path=ppt/slides/slide8.xml><?xml version="1.0" encoding="utf-8"?>
+<p:sld xmlns:a="http://schemas.openxmlformats.org/drawingml/2006/main" xmlns:r="http://schemas.openxmlformats.org/officeDocument/2006/relationships" xmlns:p="http://schemas.openxmlformats.org/presentationml/2006/main">
+  <p:cSld>
+    <p:spTree>
+      <p:nvGrpSpPr>
+        <p:cNvPr id="1" name=""/>
+        <p:cNvGrpSpPr/>
+        <p:nvPr/>
+      </p:nvGrpSpPr>
+      <p:grpSpPr>
+        <a:xfrm>
+          <a:off x="0" y="0"/>
+          <a:ext cx="0" cy="0"/>
+          <a:chOff x="0" y="0"/>
+          <a:chExt cx="0" cy="0"/>
+        </a:xfrm>
+      </p:grpSpPr>
+      <p:sp>
+        <p:nvSpPr>
+          <p:cNvPr id="2" name="タイトル 1">
+            <a:extLst>
+              <a:ext uri="{FF2B5EF4-FFF2-40B4-BE49-F238E27FC236}">
+                <a16:creationId xmlns:a16="http://schemas.microsoft.com/office/drawing/2014/main" id="{D65DC2DA-7F32-C14D-B690-0DF632377A33}"/>
+              </a:ext>
+            </a:extLst>
+          </p:cNvPr>
+          <p:cNvSpPr>
+            <a:spLocks noGrp="1"/>
+          </p:cNvSpPr>
+          <p:nvPr>
+            <p:ph type="title"/>
+          </p:nvPr>
+        </p:nvSpPr>
+        <p:spPr/>
+        <p:txBody>
+          <a:bodyPr/>
+          <a:lstStyle/>
+          <a:p>
+            <a:r>
+              <a:rPr kumimoji="1" lang="ja-JP" altLang="en-US"/>
+              <a:t>おかしいなと思っているところ</a:t>
+            </a:r>
+          </a:p>
+        </p:txBody>
+      </p:sp>
+      <p:sp>
+        <p:nvSpPr>
+          <p:cNvPr id="3" name="コンテンツ プレースホルダー 2">
+            <a:extLst>
+              <a:ext uri="{FF2B5EF4-FFF2-40B4-BE49-F238E27FC236}">
+                <a16:creationId xmlns:a16="http://schemas.microsoft.com/office/drawing/2014/main" id="{3CB9DADA-8889-3F4D-8742-624D200CB7D7}"/>
+              </a:ext>
+            </a:extLst>
+          </p:cNvPr>
+          <p:cNvSpPr>
+            <a:spLocks noGrp="1"/>
+          </p:cNvSpPr>
+          <p:nvPr>
+            <p:ph idx="1"/>
+          </p:nvPr>
+        </p:nvSpPr>
+        <p:spPr/>
+        <p:txBody>
+          <a:bodyPr/>
+          <a:lstStyle/>
+          <a:p>
+            <a:r>
+              <a:rPr kumimoji="1" lang="en-US" altLang="ja-JP" dirty="0" err="1"/>
+              <a:t>Parameter_recovery</a:t>
+            </a:r>
+            <a:r>
+              <a:rPr kumimoji="1" lang="ja-JP" altLang="en-US"/>
+              <a:t>を実行するときと、</a:t>
+            </a:r>
+            <a:r>
+              <a:rPr kumimoji="1" lang="en-US" altLang="ja-JP" dirty="0" err="1"/>
+              <a:t>realdata_main</a:t>
+            </a:r>
+            <a:r>
+              <a:rPr kumimoji="1" lang="ja-JP" altLang="en-US"/>
+              <a:t>を実行する時で</a:t>
+            </a:r>
+            <a:r>
+              <a:rPr kumimoji="1" lang="en-US" altLang="ja-JP" dirty="0" err="1"/>
+              <a:t>mayu.R</a:t>
+            </a:r>
+            <a:r>
+              <a:rPr kumimoji="1" lang="ja-JP" altLang="en-US"/>
+              <a:t>の内容を変えないとエラーになる</a:t>
+            </a:r>
+            <a:endParaRPr kumimoji="1" lang="en-US" altLang="ja-JP" dirty="0"/>
+          </a:p>
+          <a:p>
+            <a:r>
+              <a:rPr lang="en-US" altLang="ja-JP" dirty="0" err="1"/>
+              <a:t>Alpha_rt</a:t>
+            </a:r>
+            <a:r>
+              <a:rPr lang="ja-JP" altLang="en-US"/>
+              <a:t>と</a:t>
+            </a:r>
+            <a:r>
+              <a:rPr lang="en-US" altLang="ja-JP" dirty="0" err="1"/>
+              <a:t>category_prm</a:t>
+            </a:r>
+            <a:r>
+              <a:rPr lang="ja-JP" altLang="en-US"/>
+              <a:t>の添字</a:t>
+            </a:r>
+            <a:r>
+              <a:rPr lang="en-US" altLang="ja-JP" dirty="0"/>
+              <a:t>(</a:t>
+            </a:r>
+            <a:r>
+              <a:rPr lang="ja-JP" altLang="en-US"/>
+              <a:t>？</a:t>
+            </a:r>
+            <a:r>
+              <a:rPr lang="en-US" altLang="ja-JP" dirty="0"/>
+              <a:t>)</a:t>
+            </a:r>
+            <a:r>
+              <a:rPr lang="ja-JP" altLang="en-US"/>
+              <a:t>のところ</a:t>
+            </a:r>
+            <a:endParaRPr kumimoji="1" lang="en-US" altLang="ja-JP" dirty="0"/>
+          </a:p>
+          <a:p>
+            <a:pPr marL="0" indent="0">
+              <a:buNone/>
+            </a:pPr>
+            <a:endParaRPr kumimoji="1" lang="ja-JP" altLang="en-US"/>
+          </a:p>
+        </p:txBody>
+      </p:sp>
+    </p:spTree>
+    <p:extLst>
+      <p:ext uri="{BB962C8B-B14F-4D97-AF65-F5344CB8AC3E}">
+        <p14:creationId xmlns:p14="http://schemas.microsoft.com/office/powerpoint/2010/main" val="150837241"/>
       </p:ext>
     </p:extLst>
   </p:cSld>

--- a/ゼミ-727.pptx
+++ b/ゼミ-727.pptx
@@ -11,8 +11,11 @@
     <p:sldId id="259" r:id="rId5"/>
     <p:sldId id="260" r:id="rId6"/>
     <p:sldId id="261" r:id="rId7"/>
-    <p:sldId id="262" r:id="rId8"/>
-    <p:sldId id="263" r:id="rId9"/>
+    <p:sldId id="264" r:id="rId8"/>
+    <p:sldId id="265" r:id="rId9"/>
+    <p:sldId id="266" r:id="rId10"/>
+    <p:sldId id="262" r:id="rId11"/>
+    <p:sldId id="263" r:id="rId12"/>
   </p:sldIdLst>
   <p:sldSz cx="12192000" cy="6858000"/>
   <p:notesSz cx="6858000" cy="9144000"/>
@@ -3692,6 +3695,341 @@
 </p:sld>
 </file>
 
+<file path=ppt/slides/slide10.xml><?xml version="1.0" encoding="utf-8"?>
+<p:sld xmlns:a="http://schemas.openxmlformats.org/drawingml/2006/main" xmlns:r="http://schemas.openxmlformats.org/officeDocument/2006/relationships" xmlns:p="http://schemas.openxmlformats.org/presentationml/2006/main">
+  <p:cSld>
+    <p:spTree>
+      <p:nvGrpSpPr>
+        <p:cNvPr id="1" name=""/>
+        <p:cNvGrpSpPr/>
+        <p:nvPr/>
+      </p:nvGrpSpPr>
+      <p:grpSpPr>
+        <a:xfrm>
+          <a:off x="0" y="0"/>
+          <a:ext cx="0" cy="0"/>
+          <a:chOff x="0" y="0"/>
+          <a:chExt cx="0" cy="0"/>
+        </a:xfrm>
+      </p:grpSpPr>
+      <p:sp>
+        <p:nvSpPr>
+          <p:cNvPr id="2" name="タイトル 1">
+            <a:extLst>
+              <a:ext uri="{FF2B5EF4-FFF2-40B4-BE49-F238E27FC236}">
+                <a16:creationId xmlns:a16="http://schemas.microsoft.com/office/drawing/2014/main" id="{CE08BBB3-3C8B-D541-B1C0-7811C19F9A9A}"/>
+              </a:ext>
+            </a:extLst>
+          </p:cNvPr>
+          <p:cNvSpPr>
+            <a:spLocks noGrp="1"/>
+          </p:cNvSpPr>
+          <p:nvPr>
+            <p:ph type="title"/>
+          </p:nvPr>
+        </p:nvSpPr>
+        <p:spPr/>
+        <p:txBody>
+          <a:bodyPr/>
+          <a:lstStyle/>
+          <a:p>
+            <a:r>
+              <a:rPr kumimoji="1" lang="en-US" altLang="ja-JP" dirty="0"/>
+              <a:t>D</a:t>
+            </a:r>
+            <a:r>
+              <a:rPr kumimoji="1" lang="ja-JP" altLang="en-US"/>
+              <a:t>の出力結果がバグっている問題</a:t>
+            </a:r>
+          </a:p>
+        </p:txBody>
+      </p:sp>
+      <p:pic>
+        <p:nvPicPr>
+          <p:cNvPr id="5" name="コンテンツ プレースホルダー 4">
+            <a:extLst>
+              <a:ext uri="{FF2B5EF4-FFF2-40B4-BE49-F238E27FC236}">
+                <a16:creationId xmlns:a16="http://schemas.microsoft.com/office/drawing/2014/main" id="{6EC9D055-3571-0843-A916-0BB75651BFEA}"/>
+              </a:ext>
+            </a:extLst>
+          </p:cNvPr>
+          <p:cNvPicPr>
+            <a:picLocks noGrp="1" noChangeAspect="1"/>
+          </p:cNvPicPr>
+          <p:nvPr>
+            <p:ph idx="1"/>
+          </p:nvPr>
+        </p:nvPicPr>
+        <p:blipFill>
+          <a:blip r:embed="rId2"/>
+          <a:stretch>
+            <a:fillRect/>
+          </a:stretch>
+        </p:blipFill>
+        <p:spPr>
+          <a:xfrm>
+            <a:off x="418389" y="1562250"/>
+            <a:ext cx="5809416" cy="15387506"/>
+          </a:xfrm>
+        </p:spPr>
+      </p:pic>
+      <p:sp>
+        <p:nvSpPr>
+          <p:cNvPr id="6" name="テキスト ボックス 5">
+            <a:extLst>
+              <a:ext uri="{FF2B5EF4-FFF2-40B4-BE49-F238E27FC236}">
+                <a16:creationId xmlns:a16="http://schemas.microsoft.com/office/drawing/2014/main" id="{7E2D61EE-F175-0A44-937E-B5F845471D9F}"/>
+              </a:ext>
+            </a:extLst>
+          </p:cNvPr>
+          <p:cNvSpPr txBox="1"/>
+          <p:nvPr/>
+        </p:nvSpPr>
+        <p:spPr>
+          <a:xfrm>
+            <a:off x="6549081" y="1878227"/>
+            <a:ext cx="4003589" cy="2308324"/>
+          </a:xfrm>
+          <a:prstGeom prst="rect">
+            <a:avLst/>
+          </a:prstGeom>
+          <a:noFill/>
+        </p:spPr>
+        <p:txBody>
+          <a:bodyPr wrap="square" rtlCol="0">
+            <a:spAutoFit/>
+          </a:bodyPr>
+          <a:lstStyle/>
+          <a:p>
+            <a:r>
+              <a:rPr kumimoji="1" lang="ja-JP" altLang="en-US"/>
+              <a:t>こんな感じに</a:t>
+            </a:r>
+            <a:r>
+              <a:rPr kumimoji="1" lang="en-US" altLang="ja-JP" dirty="0"/>
+              <a:t>AIC</a:t>
+            </a:r>
+            <a:r>
+              <a:rPr kumimoji="1" lang="ja-JP" altLang="en-US"/>
+              <a:t>と</a:t>
+            </a:r>
+            <a:r>
+              <a:rPr kumimoji="1" lang="en-US" altLang="ja-JP" dirty="0"/>
+              <a:t>BIC</a:t>
+            </a:r>
+            <a:r>
+              <a:rPr kumimoji="1" lang="ja-JP" altLang="en-US"/>
+              <a:t>が沢山表示されてしまう</a:t>
+            </a:r>
+            <a:endParaRPr kumimoji="1" lang="en-US" altLang="ja-JP" dirty="0"/>
+          </a:p>
+          <a:p>
+            <a:r>
+              <a:rPr lang="ja-JP" altLang="en-US"/>
+              <a:t>今までは</a:t>
+            </a:r>
+            <a:r>
+              <a:rPr lang="en-US" altLang="ja-JP" dirty="0"/>
+              <a:t>AIC</a:t>
+            </a:r>
+            <a:r>
+              <a:rPr lang="ja-JP" altLang="en-US"/>
+              <a:t>と</a:t>
+            </a:r>
+            <a:r>
+              <a:rPr lang="en-US" altLang="ja-JP" dirty="0"/>
+              <a:t>BIC</a:t>
+            </a:r>
+            <a:r>
+              <a:rPr lang="ja-JP" altLang="en-US"/>
+              <a:t>が表示されていなかったのに急に表示されるようになり、しかも挙動がおかしい。。。</a:t>
+            </a:r>
+            <a:endParaRPr lang="en-US" altLang="ja-JP" dirty="0"/>
+          </a:p>
+          <a:p>
+            <a:endParaRPr lang="en-US" altLang="ja-JP" dirty="0"/>
+          </a:p>
+          <a:p>
+            <a:r>
+              <a:rPr lang="ja-JP" altLang="en-US"/>
+              <a:t>過去のコード見返したりしているのですが、まだ解決していないです</a:t>
+            </a:r>
+            <a:endParaRPr lang="en-US" altLang="ja-JP" dirty="0"/>
+          </a:p>
+        </p:txBody>
+      </p:sp>
+    </p:spTree>
+    <p:extLst>
+      <p:ext uri="{BB962C8B-B14F-4D97-AF65-F5344CB8AC3E}">
+        <p14:creationId xmlns:p14="http://schemas.microsoft.com/office/powerpoint/2010/main" val="112505836"/>
+      </p:ext>
+    </p:extLst>
+  </p:cSld>
+  <p:clrMapOvr>
+    <a:masterClrMapping/>
+  </p:clrMapOvr>
+</p:sld>
+</file>
+
+<file path=ppt/slides/slide11.xml><?xml version="1.0" encoding="utf-8"?>
+<p:sld xmlns:a="http://schemas.openxmlformats.org/drawingml/2006/main" xmlns:r="http://schemas.openxmlformats.org/officeDocument/2006/relationships" xmlns:p="http://schemas.openxmlformats.org/presentationml/2006/main">
+  <p:cSld>
+    <p:spTree>
+      <p:nvGrpSpPr>
+        <p:cNvPr id="1" name=""/>
+        <p:cNvGrpSpPr/>
+        <p:nvPr/>
+      </p:nvGrpSpPr>
+      <p:grpSpPr>
+        <a:xfrm>
+          <a:off x="0" y="0"/>
+          <a:ext cx="0" cy="0"/>
+          <a:chOff x="0" y="0"/>
+          <a:chExt cx="0" cy="0"/>
+        </a:xfrm>
+      </p:grpSpPr>
+      <p:sp>
+        <p:nvSpPr>
+          <p:cNvPr id="2" name="タイトル 1">
+            <a:extLst>
+              <a:ext uri="{FF2B5EF4-FFF2-40B4-BE49-F238E27FC236}">
+                <a16:creationId xmlns:a16="http://schemas.microsoft.com/office/drawing/2014/main" id="{D65DC2DA-7F32-C14D-B690-0DF632377A33}"/>
+              </a:ext>
+            </a:extLst>
+          </p:cNvPr>
+          <p:cNvSpPr>
+            <a:spLocks noGrp="1"/>
+          </p:cNvSpPr>
+          <p:nvPr>
+            <p:ph type="title"/>
+          </p:nvPr>
+        </p:nvSpPr>
+        <p:spPr/>
+        <p:txBody>
+          <a:bodyPr/>
+          <a:lstStyle/>
+          <a:p>
+            <a:r>
+              <a:rPr kumimoji="1" lang="ja-JP" altLang="en-US"/>
+              <a:t>原因だと思っているところ</a:t>
+            </a:r>
+          </a:p>
+        </p:txBody>
+      </p:sp>
+      <p:sp>
+        <p:nvSpPr>
+          <p:cNvPr id="3" name="コンテンツ プレースホルダー 2">
+            <a:extLst>
+              <a:ext uri="{FF2B5EF4-FFF2-40B4-BE49-F238E27FC236}">
+                <a16:creationId xmlns:a16="http://schemas.microsoft.com/office/drawing/2014/main" id="{3CB9DADA-8889-3F4D-8742-624D200CB7D7}"/>
+              </a:ext>
+            </a:extLst>
+          </p:cNvPr>
+          <p:cNvSpPr>
+            <a:spLocks noGrp="1"/>
+          </p:cNvSpPr>
+          <p:nvPr>
+            <p:ph idx="1"/>
+          </p:nvPr>
+        </p:nvSpPr>
+        <p:spPr/>
+        <p:txBody>
+          <a:bodyPr/>
+          <a:lstStyle/>
+          <a:p>
+            <a:r>
+              <a:rPr kumimoji="1" lang="en-US" altLang="ja-JP" dirty="0" err="1"/>
+              <a:t>Parameter_recovery</a:t>
+            </a:r>
+            <a:r>
+              <a:rPr kumimoji="1" lang="ja-JP" altLang="en-US"/>
+              <a:t>を実行するときと、</a:t>
+            </a:r>
+            <a:r>
+              <a:rPr kumimoji="1" lang="en-US" altLang="ja-JP" dirty="0" err="1"/>
+              <a:t>realdata_main</a:t>
+            </a:r>
+            <a:r>
+              <a:rPr kumimoji="1" lang="ja-JP" altLang="en-US"/>
+              <a:t>を実行する時で</a:t>
+            </a:r>
+            <a:r>
+              <a:rPr kumimoji="1" lang="en-US" altLang="ja-JP" dirty="0" err="1"/>
+              <a:t>mayu.R</a:t>
+            </a:r>
+            <a:r>
+              <a:rPr kumimoji="1" lang="ja-JP" altLang="en-US"/>
+              <a:t>の内容を変えないとエラーになる</a:t>
+            </a:r>
+            <a:r>
+              <a:rPr lang="en-US" altLang="ja-JP" dirty="0"/>
+              <a:t>(</a:t>
+            </a:r>
+            <a:r>
+              <a:rPr lang="en-US" altLang="ja-JP" dirty="0" err="1"/>
+              <a:t>Alpha_rt</a:t>
+            </a:r>
+            <a:r>
+              <a:rPr lang="ja-JP" altLang="en-US"/>
+              <a:t>と</a:t>
+            </a:r>
+            <a:r>
+              <a:rPr lang="en-US" altLang="ja-JP" dirty="0" err="1"/>
+              <a:t>category_prm</a:t>
+            </a:r>
+            <a:r>
+              <a:rPr lang="ja-JP" altLang="en-US"/>
+              <a:t>の添字</a:t>
+            </a:r>
+            <a:r>
+              <a:rPr lang="en-US" altLang="ja-JP" dirty="0"/>
+              <a:t>(</a:t>
+            </a:r>
+            <a:r>
+              <a:rPr lang="ja-JP" altLang="en-US"/>
+              <a:t>？</a:t>
+            </a:r>
+            <a:r>
+              <a:rPr lang="en-US" altLang="ja-JP" dirty="0"/>
+              <a:t>)</a:t>
+            </a:r>
+            <a:r>
+              <a:rPr lang="ja-JP" altLang="en-US"/>
+              <a:t>のところ</a:t>
+            </a:r>
+            <a:r>
+              <a:rPr lang="en-US" altLang="ja-JP" dirty="0"/>
+              <a:t>)</a:t>
+            </a:r>
+          </a:p>
+          <a:p>
+            <a:r>
+              <a:rPr kumimoji="1" lang="ja-JP" altLang="en-US"/>
+              <a:t>実データ実験とシミュレーション実験で共通している部分のコードに原因がある可能性が大きいのでは</a:t>
+            </a:r>
+            <a:endParaRPr kumimoji="1" lang="en-US" altLang="ja-JP" dirty="0"/>
+          </a:p>
+          <a:p>
+            <a:pPr marL="0" indent="0">
+              <a:buNone/>
+            </a:pPr>
+            <a:endParaRPr kumimoji="1" lang="ja-JP" altLang="en-US"/>
+          </a:p>
+        </p:txBody>
+      </p:sp>
+    </p:spTree>
+    <p:extLst>
+      <p:ext uri="{BB962C8B-B14F-4D97-AF65-F5344CB8AC3E}">
+        <p14:creationId xmlns:p14="http://schemas.microsoft.com/office/powerpoint/2010/main" val="150837241"/>
+      </p:ext>
+    </p:extLst>
+  </p:cSld>
+  <p:clrMapOvr>
+    <a:masterClrMapping/>
+  </p:clrMapOvr>
+</p:sld>
+</file>
+
 <file path=ppt/slides/slide2.xml><?xml version="1.0" encoding="utf-8"?>
 <p:sld xmlns:a="http://schemas.openxmlformats.org/drawingml/2006/main" xmlns:r="http://schemas.openxmlformats.org/officeDocument/2006/relationships" xmlns:p="http://schemas.openxmlformats.org/presentationml/2006/main">
   <p:cSld>
@@ -4500,7 +4838,7 @@
           <p:cNvPr id="2" name="タイトル 1">
             <a:extLst>
               <a:ext uri="{FF2B5EF4-FFF2-40B4-BE49-F238E27FC236}">
-                <a16:creationId xmlns:a16="http://schemas.microsoft.com/office/drawing/2014/main" id="{CE08BBB3-3C8B-D541-B1C0-7811C19F9A9A}"/>
+                <a16:creationId xmlns:a16="http://schemas.microsoft.com/office/drawing/2014/main" id="{0671AABB-ECCF-FF40-B12E-1E528A7AC6A5}"/>
               </a:ext>
             </a:extLst>
           </p:cNvPr>
@@ -4517,31 +4855,100 @@
           <a:lstStyle/>
           <a:p>
             <a:r>
+              <a:rPr kumimoji="1" lang="ja-JP" altLang="en-US"/>
+              <a:t>既存モデルの方</a:t>
+            </a:r>
+          </a:p>
+        </p:txBody>
+      </p:sp>
+      <p:sp>
+        <p:nvSpPr>
+          <p:cNvPr id="3" name="コンテンツ プレースホルダー 2">
+            <a:extLst>
+              <a:ext uri="{FF2B5EF4-FFF2-40B4-BE49-F238E27FC236}">
+                <a16:creationId xmlns:a16="http://schemas.microsoft.com/office/drawing/2014/main" id="{8713E36E-61EA-0B49-9D4C-ED0327869F45}"/>
+              </a:ext>
+            </a:extLst>
+          </p:cNvPr>
+          <p:cNvSpPr>
+            <a:spLocks noGrp="1"/>
+          </p:cNvSpPr>
+          <p:nvPr>
+            <p:ph idx="1"/>
+          </p:nvPr>
+        </p:nvSpPr>
+        <p:spPr>
+          <a:xfrm>
+            <a:off x="6598508" y="1825625"/>
+            <a:ext cx="4755292" cy="4351338"/>
+          </a:xfrm>
+        </p:spPr>
+        <p:txBody>
+          <a:bodyPr/>
+          <a:lstStyle/>
+          <a:p>
+            <a:pPr marL="0" indent="0">
+              <a:buNone/>
+            </a:pPr>
+            <a:r>
+              <a:rPr kumimoji="1" lang="en-US" altLang="ja-JP" dirty="0" err="1"/>
+              <a:t>Beta_rk</a:t>
+            </a:r>
+            <a:r>
+              <a:rPr kumimoji="1" lang="ja-JP" altLang="en-US"/>
+              <a:t>の結果が</a:t>
+            </a:r>
+            <a:r>
               <a:rPr kumimoji="1" lang="en-US" altLang="ja-JP" dirty="0"/>
-              <a:t>D</a:t>
-            </a:r>
-            <a:r>
-              <a:rPr kumimoji="1" lang="ja-JP" altLang="en-US"/>
-              <a:t>の出力結果がバグっている問題</a:t>
-            </a:r>
+              <a:t>NA</a:t>
+            </a:r>
+            <a:r>
+              <a:rPr kumimoji="1" lang="ja-JP" altLang="en-US"/>
+              <a:t>となってしまったのでどこかが間違っている</a:t>
+            </a:r>
+            <a:endParaRPr kumimoji="1" lang="en-US" altLang="ja-JP" dirty="0"/>
+          </a:p>
+          <a:p>
+            <a:pPr marL="0" indent="0">
+              <a:buNone/>
+            </a:pPr>
+            <a:r>
+              <a:rPr kumimoji="1" lang="ja-JP" altLang="en-US"/>
+              <a:t>→来週中直したい</a:t>
+            </a:r>
+            <a:endParaRPr kumimoji="1" lang="en-US" altLang="ja-JP" dirty="0"/>
+          </a:p>
+          <a:p>
+            <a:pPr marL="0" indent="0">
+              <a:buNone/>
+            </a:pPr>
+            <a:endParaRPr lang="en-US" altLang="ja-JP" dirty="0"/>
+          </a:p>
+          <a:p>
+            <a:pPr marL="0" indent="0">
+              <a:buNone/>
+            </a:pPr>
+            <a:r>
+              <a:rPr lang="ja-JP" altLang="en-US"/>
+              <a:t>とりあえずそこ以外の結果はこんな感じ</a:t>
+            </a:r>
+            <a:endParaRPr kumimoji="1" lang="ja-JP" altLang="en-US"/>
           </a:p>
         </p:txBody>
       </p:sp>
       <p:pic>
         <p:nvPicPr>
-          <p:cNvPr id="5" name="コンテンツ プレースホルダー 4">
-            <a:extLst>
-              <a:ext uri="{FF2B5EF4-FFF2-40B4-BE49-F238E27FC236}">
-                <a16:creationId xmlns:a16="http://schemas.microsoft.com/office/drawing/2014/main" id="{6EC9D055-3571-0843-A916-0BB75651BFEA}"/>
+          <p:cNvPr id="4" name="図 3">
+            <a:extLst>
+              <a:ext uri="{FF2B5EF4-FFF2-40B4-BE49-F238E27FC236}">
+                <a16:creationId xmlns:a16="http://schemas.microsoft.com/office/drawing/2014/main" id="{3CD34DAD-1EE0-8042-9D8A-C6E8121E6529}"/>
               </a:ext>
             </a:extLst>
           </p:cNvPr>
           <p:cNvPicPr>
-            <a:picLocks noGrp="1" noChangeAspect="1"/>
+            <a:picLocks noChangeAspect="1"/>
           </p:cNvPicPr>
-          <p:nvPr>
-            <p:ph idx="1"/>
-          </p:nvPr>
+          <p:nvPr/>
         </p:nvPicPr>
         <p:blipFill>
           <a:blip r:embed="rId2"/>
@@ -4551,100 +4958,18 @@
         </p:blipFill>
         <p:spPr>
           <a:xfrm>
-            <a:off x="418389" y="1562250"/>
-            <a:ext cx="5809416" cy="15387506"/>
-          </a:xfrm>
-        </p:spPr>
-      </p:pic>
-      <p:sp>
-        <p:nvSpPr>
-          <p:cNvPr id="6" name="テキスト ボックス 5">
-            <a:extLst>
-              <a:ext uri="{FF2B5EF4-FFF2-40B4-BE49-F238E27FC236}">
-                <a16:creationId xmlns:a16="http://schemas.microsoft.com/office/drawing/2014/main" id="{7E2D61EE-F175-0A44-937E-B5F845471D9F}"/>
-              </a:ext>
-            </a:extLst>
-          </p:cNvPr>
-          <p:cNvSpPr txBox="1"/>
-          <p:nvPr/>
-        </p:nvSpPr>
-        <p:spPr>
-          <a:xfrm>
-            <a:off x="6549081" y="1878227"/>
-            <a:ext cx="4003589" cy="2308324"/>
+            <a:off x="931562" y="2096294"/>
+            <a:ext cx="5435600" cy="3810000"/>
           </a:xfrm>
           <a:prstGeom prst="rect">
             <a:avLst/>
           </a:prstGeom>
-          <a:noFill/>
         </p:spPr>
-        <p:txBody>
-          <a:bodyPr wrap="square" rtlCol="0">
-            <a:spAutoFit/>
-          </a:bodyPr>
-          <a:lstStyle/>
-          <a:p>
-            <a:r>
-              <a:rPr kumimoji="1" lang="ja-JP" altLang="en-US"/>
-              <a:t>こんな感じに</a:t>
-            </a:r>
-            <a:r>
-              <a:rPr kumimoji="1" lang="en-US" altLang="ja-JP" dirty="0"/>
-              <a:t>AIC</a:t>
-            </a:r>
-            <a:r>
-              <a:rPr kumimoji="1" lang="ja-JP" altLang="en-US"/>
-              <a:t>と</a:t>
-            </a:r>
-            <a:r>
-              <a:rPr kumimoji="1" lang="en-US" altLang="ja-JP" dirty="0"/>
-              <a:t>BIC</a:t>
-            </a:r>
-            <a:r>
-              <a:rPr kumimoji="1" lang="ja-JP" altLang="en-US"/>
-              <a:t>が沢山表示されてしまう</a:t>
-            </a:r>
-            <a:endParaRPr kumimoji="1" lang="en-US" altLang="ja-JP" dirty="0"/>
-          </a:p>
-          <a:p>
-            <a:r>
-              <a:rPr lang="ja-JP" altLang="en-US"/>
-              <a:t>今までは</a:t>
-            </a:r>
-            <a:r>
-              <a:rPr lang="en-US" altLang="ja-JP" dirty="0"/>
-              <a:t>AIC</a:t>
-            </a:r>
-            <a:r>
-              <a:rPr lang="ja-JP" altLang="en-US"/>
-              <a:t>と</a:t>
-            </a:r>
-            <a:r>
-              <a:rPr lang="en-US" altLang="ja-JP" dirty="0"/>
-              <a:t>BIC</a:t>
-            </a:r>
-            <a:r>
-              <a:rPr lang="ja-JP" altLang="en-US"/>
-              <a:t>が表示されていなかったのに急に表示されるようになり、しかも挙動がおかしい。。。</a:t>
-            </a:r>
-            <a:endParaRPr lang="en-US" altLang="ja-JP" dirty="0"/>
-          </a:p>
-          <a:p>
-            <a:endParaRPr lang="en-US" altLang="ja-JP" dirty="0"/>
-          </a:p>
-          <a:p>
-            <a:r>
-              <a:rPr lang="ja-JP" altLang="en-US"/>
-              <a:t>過去のコード見返したりしているのですが、まだ解決していないです</a:t>
-            </a:r>
-            <a:endParaRPr lang="en-US" altLang="ja-JP" dirty="0"/>
-          </a:p>
-        </p:txBody>
-      </p:sp>
+      </p:pic>
     </p:spTree>
     <p:extLst>
       <p:ext uri="{BB962C8B-B14F-4D97-AF65-F5344CB8AC3E}">
-        <p14:creationId xmlns:p14="http://schemas.microsoft.com/office/powerpoint/2010/main" val="112505836"/>
+        <p14:creationId xmlns:p14="http://schemas.microsoft.com/office/powerpoint/2010/main" val="3011866081"/>
       </p:ext>
     </p:extLst>
   </p:cSld>
@@ -4673,10 +4998,47 @@
       </p:grpSpPr>
       <p:sp>
         <p:nvSpPr>
-          <p:cNvPr id="2" name="タイトル 1">
-            <a:extLst>
-              <a:ext uri="{FF2B5EF4-FFF2-40B4-BE49-F238E27FC236}">
-                <a16:creationId xmlns:a16="http://schemas.microsoft.com/office/drawing/2014/main" id="{D65DC2DA-7F32-C14D-B690-0DF632377A33}"/>
+          <p:cNvPr id="3" name="コンテンツ プレースホルダー 2">
+            <a:extLst>
+              <a:ext uri="{FF2B5EF4-FFF2-40B4-BE49-F238E27FC236}">
+                <a16:creationId xmlns:a16="http://schemas.microsoft.com/office/drawing/2014/main" id="{6778E4C9-F17F-5644-AEBC-DD08E864B836}"/>
+              </a:ext>
+            </a:extLst>
+          </p:cNvPr>
+          <p:cNvSpPr>
+            <a:spLocks noGrp="1"/>
+          </p:cNvSpPr>
+          <p:nvPr>
+            <p:ph idx="1"/>
+          </p:nvPr>
+        </p:nvSpPr>
+        <p:spPr>
+          <a:xfrm>
+            <a:off x="6363730" y="1825625"/>
+            <a:ext cx="4990070" cy="4351338"/>
+          </a:xfrm>
+        </p:spPr>
+        <p:txBody>
+          <a:bodyPr/>
+          <a:lstStyle/>
+          <a:p>
+            <a:r>
+              <a:rPr kumimoji="1" lang="en-US" altLang="ja-JP" dirty="0"/>
+              <a:t>Pai_1r</a:t>
+            </a:r>
+            <a:r>
+              <a:rPr kumimoji="1" lang="ja-JP" altLang="en-US"/>
+              <a:t>だけマイナス方向に大きい</a:t>
+            </a:r>
+          </a:p>
+        </p:txBody>
+      </p:sp>
+      <p:sp>
+        <p:nvSpPr>
+          <p:cNvPr id="4" name="タイトル 1">
+            <a:extLst>
+              <a:ext uri="{FF2B5EF4-FFF2-40B4-BE49-F238E27FC236}">
+                <a16:creationId xmlns:a16="http://schemas.microsoft.com/office/drawing/2014/main" id="{A6DF18DB-87EB-C44E-A003-0C26DF64AC8C}"/>
               </a:ext>
             </a:extLst>
           </p:cNvPr>
@@ -4694,105 +5056,174 @@
           <a:p>
             <a:r>
               <a:rPr kumimoji="1" lang="ja-JP" altLang="en-US"/>
-              <a:t>おかしいなと思っているところ</a:t>
-            </a:r>
-          </a:p>
-        </p:txBody>
-      </p:sp>
-      <p:sp>
-        <p:nvSpPr>
-          <p:cNvPr id="3" name="コンテンツ プレースホルダー 2">
-            <a:extLst>
-              <a:ext uri="{FF2B5EF4-FFF2-40B4-BE49-F238E27FC236}">
-                <a16:creationId xmlns:a16="http://schemas.microsoft.com/office/drawing/2014/main" id="{3CB9DADA-8889-3F4D-8742-624D200CB7D7}"/>
-              </a:ext>
-            </a:extLst>
-          </p:cNvPr>
-          <p:cNvSpPr>
-            <a:spLocks noGrp="1"/>
-          </p:cNvSpPr>
-          <p:nvPr>
-            <p:ph idx="1"/>
-          </p:nvPr>
-        </p:nvSpPr>
-        <p:spPr/>
-        <p:txBody>
-          <a:bodyPr/>
-          <a:lstStyle/>
-          <a:p>
-            <a:r>
-              <a:rPr kumimoji="1" lang="en-US" altLang="ja-JP" dirty="0" err="1"/>
-              <a:t>Parameter_recovery</a:t>
-            </a:r>
-            <a:r>
-              <a:rPr kumimoji="1" lang="ja-JP" altLang="en-US"/>
-              <a:t>を実行するときと、</a:t>
-            </a:r>
-            <a:r>
-              <a:rPr kumimoji="1" lang="en-US" altLang="ja-JP" dirty="0" err="1"/>
-              <a:t>realdata_main</a:t>
-            </a:r>
-            <a:r>
-              <a:rPr kumimoji="1" lang="ja-JP" altLang="en-US"/>
-              <a:t>を実行する時で</a:t>
-            </a:r>
-            <a:r>
-              <a:rPr kumimoji="1" lang="en-US" altLang="ja-JP" dirty="0" err="1"/>
-              <a:t>mayu.R</a:t>
-            </a:r>
-            <a:r>
-              <a:rPr kumimoji="1" lang="ja-JP" altLang="en-US"/>
-              <a:t>の内容を変えないとエラーになる</a:t>
-            </a:r>
-            <a:endParaRPr kumimoji="1" lang="en-US" altLang="ja-JP" dirty="0"/>
-          </a:p>
-          <a:p>
-            <a:r>
-              <a:rPr lang="en-US" altLang="ja-JP" dirty="0" err="1"/>
-              <a:t>Alpha_rt</a:t>
-            </a:r>
-            <a:r>
-              <a:rPr lang="ja-JP" altLang="en-US"/>
-              <a:t>と</a:t>
-            </a:r>
-            <a:r>
-              <a:rPr lang="en-US" altLang="ja-JP" dirty="0" err="1"/>
-              <a:t>category_prm</a:t>
-            </a:r>
-            <a:r>
-              <a:rPr lang="ja-JP" altLang="en-US"/>
-              <a:t>の添字</a:t>
-            </a:r>
-            <a:r>
-              <a:rPr lang="en-US" altLang="ja-JP" dirty="0"/>
-              <a:t>(</a:t>
-            </a:r>
-            <a:r>
-              <a:rPr lang="ja-JP" altLang="en-US"/>
-              <a:t>？</a:t>
-            </a:r>
-            <a:r>
-              <a:rPr lang="en-US" altLang="ja-JP" dirty="0"/>
-              <a:t>)</a:t>
-            </a:r>
-            <a:r>
-              <a:rPr lang="ja-JP" altLang="en-US"/>
-              <a:t>のところ</a:t>
-            </a:r>
-            <a:endParaRPr kumimoji="1" lang="en-US" altLang="ja-JP" dirty="0"/>
-          </a:p>
-          <a:p>
-            <a:pPr marL="0" indent="0">
-              <a:buNone/>
-            </a:pPr>
-            <a:endParaRPr kumimoji="1" lang="ja-JP" altLang="en-US"/>
-          </a:p>
-        </p:txBody>
-      </p:sp>
+              <a:t>既存モデルの方</a:t>
+            </a:r>
+          </a:p>
+        </p:txBody>
+      </p:sp>
+      <p:pic>
+        <p:nvPicPr>
+          <p:cNvPr id="5" name="図 4">
+            <a:extLst>
+              <a:ext uri="{FF2B5EF4-FFF2-40B4-BE49-F238E27FC236}">
+                <a16:creationId xmlns:a16="http://schemas.microsoft.com/office/drawing/2014/main" id="{E459E109-9F55-B742-9D27-1C20BE267227}"/>
+              </a:ext>
+            </a:extLst>
+          </p:cNvPr>
+          <p:cNvPicPr>
+            <a:picLocks noChangeAspect="1"/>
+          </p:cNvPicPr>
+          <p:nvPr/>
+        </p:nvPicPr>
+        <p:blipFill>
+          <a:blip r:embed="rId2"/>
+          <a:stretch>
+            <a:fillRect/>
+          </a:stretch>
+        </p:blipFill>
+        <p:spPr>
+          <a:xfrm>
+            <a:off x="930189" y="2005914"/>
+            <a:ext cx="5537200" cy="3810000"/>
+          </a:xfrm>
+          <a:prstGeom prst="rect">
+            <a:avLst/>
+          </a:prstGeom>
+        </p:spPr>
+      </p:pic>
     </p:spTree>
     <p:extLst>
       <p:ext uri="{BB962C8B-B14F-4D97-AF65-F5344CB8AC3E}">
-        <p14:creationId xmlns:p14="http://schemas.microsoft.com/office/powerpoint/2010/main" val="150837241"/>
+        <p14:creationId xmlns:p14="http://schemas.microsoft.com/office/powerpoint/2010/main" val="2273207575"/>
+      </p:ext>
+    </p:extLst>
+  </p:cSld>
+  <p:clrMapOvr>
+    <a:masterClrMapping/>
+  </p:clrMapOvr>
+</p:sld>
+</file>
+
+<file path=ppt/slides/slide9.xml><?xml version="1.0" encoding="utf-8"?>
+<p:sld xmlns:a="http://schemas.openxmlformats.org/drawingml/2006/main" xmlns:r="http://schemas.openxmlformats.org/officeDocument/2006/relationships" xmlns:p="http://schemas.openxmlformats.org/presentationml/2006/main">
+  <p:cSld>
+    <p:spTree>
+      <p:nvGrpSpPr>
+        <p:cNvPr id="1" name=""/>
+        <p:cNvGrpSpPr/>
+        <p:nvPr/>
+      </p:nvGrpSpPr>
+      <p:grpSpPr>
+        <a:xfrm>
+          <a:off x="0" y="0"/>
+          <a:ext cx="0" cy="0"/>
+          <a:chOff x="0" y="0"/>
+          <a:chExt cx="0" cy="0"/>
+        </a:xfrm>
+      </p:grpSpPr>
+      <p:sp>
+        <p:nvSpPr>
+          <p:cNvPr id="3" name="コンテンツ プレースホルダー 2">
+            <a:extLst>
+              <a:ext uri="{FF2B5EF4-FFF2-40B4-BE49-F238E27FC236}">
+                <a16:creationId xmlns:a16="http://schemas.microsoft.com/office/drawing/2014/main" id="{F987D22A-FC8E-4E45-A75D-999474FD0040}"/>
+              </a:ext>
+            </a:extLst>
+          </p:cNvPr>
+          <p:cNvSpPr>
+            <a:spLocks noGrp="1"/>
+          </p:cNvSpPr>
+          <p:nvPr>
+            <p:ph idx="1"/>
+          </p:nvPr>
+        </p:nvSpPr>
+        <p:spPr>
+          <a:xfrm>
+            <a:off x="6478372" y="1825625"/>
+            <a:ext cx="4875427" cy="4351338"/>
+          </a:xfrm>
+        </p:spPr>
+        <p:txBody>
+          <a:bodyPr/>
+          <a:lstStyle/>
+          <a:p>
+            <a:r>
+              <a:rPr kumimoji="1" lang="ja-JP" altLang="en-US"/>
+              <a:t>どちらも</a:t>
+            </a:r>
+            <a:r>
+              <a:rPr kumimoji="1" lang="en-US" altLang="ja-JP" dirty="0"/>
+              <a:t>1.1</a:t>
+            </a:r>
+            <a:r>
+              <a:rPr kumimoji="1" lang="ja-JP" altLang="en-US"/>
+              <a:t>以下</a:t>
+            </a:r>
+          </a:p>
+        </p:txBody>
+      </p:sp>
+      <p:sp>
+        <p:nvSpPr>
+          <p:cNvPr id="4" name="タイトル 1">
+            <a:extLst>
+              <a:ext uri="{FF2B5EF4-FFF2-40B4-BE49-F238E27FC236}">
+                <a16:creationId xmlns:a16="http://schemas.microsoft.com/office/drawing/2014/main" id="{0E5AD1C2-68F5-8846-A974-544BB948F1CA}"/>
+              </a:ext>
+            </a:extLst>
+          </p:cNvPr>
+          <p:cNvSpPr>
+            <a:spLocks noGrp="1"/>
+          </p:cNvSpPr>
+          <p:nvPr>
+            <p:ph type="title"/>
+          </p:nvPr>
+        </p:nvSpPr>
+        <p:spPr/>
+        <p:txBody>
+          <a:bodyPr/>
+          <a:lstStyle/>
+          <a:p>
+            <a:r>
+              <a:rPr kumimoji="1" lang="ja-JP" altLang="en-US"/>
+              <a:t>既存モデルの方</a:t>
+            </a:r>
+          </a:p>
+        </p:txBody>
+      </p:sp>
+      <p:pic>
+        <p:nvPicPr>
+          <p:cNvPr id="6" name="図 5">
+            <a:extLst>
+              <a:ext uri="{FF2B5EF4-FFF2-40B4-BE49-F238E27FC236}">
+                <a16:creationId xmlns:a16="http://schemas.microsoft.com/office/drawing/2014/main" id="{6451D193-3E99-BC4B-A1C8-FA3C0A579344}"/>
+              </a:ext>
+            </a:extLst>
+          </p:cNvPr>
+          <p:cNvPicPr>
+            <a:picLocks noChangeAspect="1"/>
+          </p:cNvPicPr>
+          <p:nvPr/>
+        </p:nvPicPr>
+        <p:blipFill>
+          <a:blip r:embed="rId2"/>
+          <a:stretch>
+            <a:fillRect/>
+          </a:stretch>
+        </p:blipFill>
+        <p:spPr>
+          <a:xfrm>
+            <a:off x="1042773" y="1931773"/>
+            <a:ext cx="5435600" cy="3810000"/>
+          </a:xfrm>
+          <a:prstGeom prst="rect">
+            <a:avLst/>
+          </a:prstGeom>
+        </p:spPr>
+      </p:pic>
+    </p:spTree>
+    <p:extLst>
+      <p:ext uri="{BB962C8B-B14F-4D97-AF65-F5344CB8AC3E}">
+        <p14:creationId xmlns:p14="http://schemas.microsoft.com/office/powerpoint/2010/main" val="366005318"/>
       </p:ext>
     </p:extLst>
   </p:cSld>

--- a/ゼミ-727.pptx
+++ b/ゼミ-727.pptx
@@ -3911,7 +3911,7 @@
           <a:p>
             <a:r>
               <a:rPr kumimoji="1" lang="ja-JP" altLang="en-US"/>
-              <a:t>原因だと思っているところ</a:t>
+              <a:t>これの原因だと思っているところ</a:t>
             </a:r>
           </a:p>
         </p:txBody>
@@ -4005,7 +4005,14 @@
           <a:p>
             <a:r>
               <a:rPr kumimoji="1" lang="ja-JP" altLang="en-US"/>
-              <a:t>実データ実験とシミュレーション実験で共通している部分のコードに原因がある可能性が大きいのでは</a:t>
+              <a:t>実データ実験とシミュレーション実験で共通している部分のコードに原因がある可能性が大きいのでは？</a:t>
+            </a:r>
+            <a:endParaRPr kumimoji="1" lang="en-US" altLang="ja-JP" dirty="0"/>
+          </a:p>
+          <a:p>
+            <a:r>
+              <a:rPr lang="ja-JP" altLang="en-US"/>
+              <a:t>来週以降直したい</a:t>
             </a:r>
             <a:endParaRPr kumimoji="1" lang="en-US" altLang="ja-JP" dirty="0"/>
           </a:p>
@@ -4906,7 +4913,10 @@
               <a:rPr kumimoji="1" lang="ja-JP" altLang="en-US"/>
               <a:t>となってしまったのでどこかが間違っている</a:t>
             </a:r>
-            <a:endParaRPr kumimoji="1" lang="en-US" altLang="ja-JP" dirty="0"/>
+            <a:r>
+              <a:rPr kumimoji="1" lang="en-US" altLang="ja-JP" dirty="0"/>
+              <a:t>?</a:t>
+            </a:r>
           </a:p>
           <a:p>
             <a:pPr marL="0" indent="0">
